--- a/Powerpont 1.pptx
+++ b/Powerpont 1.pptx
@@ -11,10 +11,11 @@
     <p:sldId id="258" r:id="rId5"/>
     <p:sldId id="261" r:id="rId6"/>
     <p:sldId id="262" r:id="rId7"/>
-    <p:sldId id="264" r:id="rId8"/>
-    <p:sldId id="265" r:id="rId9"/>
-    <p:sldId id="267" r:id="rId10"/>
-    <p:sldId id="263" r:id="rId11"/>
+    <p:sldId id="268" r:id="rId8"/>
+    <p:sldId id="264" r:id="rId9"/>
+    <p:sldId id="265" r:id="rId10"/>
+    <p:sldId id="267" r:id="rId11"/>
+    <p:sldId id="263" r:id="rId12"/>
   </p:sldIdLst>
   <p:sldSz cx="12192000" cy="6858000"/>
   <p:notesSz cx="6858000" cy="9144000"/>
@@ -113,6 +114,11 @@
       </a:defRPr>
     </a:lvl9pPr>
   </p:defaultTextStyle>
+  <p:extLst>
+    <p:ext uri="{EFAFB233-063F-42B5-8137-9DF3F51BA10A}">
+      <p15:sldGuideLst xmlns:p15="http://schemas.microsoft.com/office/powerpoint/2012/main"/>
+    </p:ext>
+  </p:extLst>
 </p:presentation>
 </file>
 
@@ -247,7 +253,7 @@
           <a:p>
             <a:fld id="{F2B6AC3F-E101-4B39-86B2-43B73117F4A4}" type="datetimeFigureOut">
               <a:rPr lang="nl-NL" smtClean="0"/>
-              <a:t>18-4-2017</a:t>
+              <a:t>20-4-2017</a:t>
             </a:fld>
             <a:endParaRPr lang="nl-NL"/>
           </a:p>
@@ -289,7 +295,7 @@
           <a:p>
             <a:fld id="{7FF7895B-90F1-4A08-8B09-7A24A444AEF5}" type="slidenum">
               <a:rPr lang="nl-NL" smtClean="0"/>
-              <a:t>‹nr.›</a:t>
+              <a:t>‹#›</a:t>
             </a:fld>
             <a:endParaRPr lang="nl-NL"/>
           </a:p>
@@ -417,7 +423,7 @@
           <a:p>
             <a:fld id="{F2B6AC3F-E101-4B39-86B2-43B73117F4A4}" type="datetimeFigureOut">
               <a:rPr lang="nl-NL" smtClean="0"/>
-              <a:t>18-4-2017</a:t>
+              <a:t>20-4-2017</a:t>
             </a:fld>
             <a:endParaRPr lang="nl-NL"/>
           </a:p>
@@ -459,7 +465,7 @@
           <a:p>
             <a:fld id="{7FF7895B-90F1-4A08-8B09-7A24A444AEF5}" type="slidenum">
               <a:rPr lang="nl-NL" smtClean="0"/>
-              <a:t>‹nr.›</a:t>
+              <a:t>‹#›</a:t>
             </a:fld>
             <a:endParaRPr lang="nl-NL"/>
           </a:p>
@@ -597,7 +603,7 @@
           <a:p>
             <a:fld id="{F2B6AC3F-E101-4B39-86B2-43B73117F4A4}" type="datetimeFigureOut">
               <a:rPr lang="nl-NL" smtClean="0"/>
-              <a:t>18-4-2017</a:t>
+              <a:t>20-4-2017</a:t>
             </a:fld>
             <a:endParaRPr lang="nl-NL"/>
           </a:p>
@@ -639,7 +645,7 @@
           <a:p>
             <a:fld id="{7FF7895B-90F1-4A08-8B09-7A24A444AEF5}" type="slidenum">
               <a:rPr lang="nl-NL" smtClean="0"/>
-              <a:t>‹nr.›</a:t>
+              <a:t>‹#›</a:t>
             </a:fld>
             <a:endParaRPr lang="nl-NL"/>
           </a:p>
@@ -767,7 +773,7 @@
           <a:p>
             <a:fld id="{F2B6AC3F-E101-4B39-86B2-43B73117F4A4}" type="datetimeFigureOut">
               <a:rPr lang="nl-NL" smtClean="0"/>
-              <a:t>18-4-2017</a:t>
+              <a:t>20-4-2017</a:t>
             </a:fld>
             <a:endParaRPr lang="nl-NL"/>
           </a:p>
@@ -809,7 +815,7 @@
           <a:p>
             <a:fld id="{7FF7895B-90F1-4A08-8B09-7A24A444AEF5}" type="slidenum">
               <a:rPr lang="nl-NL" smtClean="0"/>
-              <a:t>‹nr.›</a:t>
+              <a:t>‹#›</a:t>
             </a:fld>
             <a:endParaRPr lang="nl-NL"/>
           </a:p>
@@ -1013,7 +1019,7 @@
           <a:p>
             <a:fld id="{F2B6AC3F-E101-4B39-86B2-43B73117F4A4}" type="datetimeFigureOut">
               <a:rPr lang="nl-NL" smtClean="0"/>
-              <a:t>18-4-2017</a:t>
+              <a:t>20-4-2017</a:t>
             </a:fld>
             <a:endParaRPr lang="nl-NL"/>
           </a:p>
@@ -1055,7 +1061,7 @@
           <a:p>
             <a:fld id="{7FF7895B-90F1-4A08-8B09-7A24A444AEF5}" type="slidenum">
               <a:rPr lang="nl-NL" smtClean="0"/>
-              <a:t>‹nr.›</a:t>
+              <a:t>‹#›</a:t>
             </a:fld>
             <a:endParaRPr lang="nl-NL"/>
           </a:p>
@@ -1245,7 +1251,7 @@
           <a:p>
             <a:fld id="{F2B6AC3F-E101-4B39-86B2-43B73117F4A4}" type="datetimeFigureOut">
               <a:rPr lang="nl-NL" smtClean="0"/>
-              <a:t>18-4-2017</a:t>
+              <a:t>20-4-2017</a:t>
             </a:fld>
             <a:endParaRPr lang="nl-NL"/>
           </a:p>
@@ -1287,7 +1293,7 @@
           <a:p>
             <a:fld id="{7FF7895B-90F1-4A08-8B09-7A24A444AEF5}" type="slidenum">
               <a:rPr lang="nl-NL" smtClean="0"/>
-              <a:t>‹nr.›</a:t>
+              <a:t>‹#›</a:t>
             </a:fld>
             <a:endParaRPr lang="nl-NL"/>
           </a:p>
@@ -1612,7 +1618,7 @@
           <a:p>
             <a:fld id="{F2B6AC3F-E101-4B39-86B2-43B73117F4A4}" type="datetimeFigureOut">
               <a:rPr lang="nl-NL" smtClean="0"/>
-              <a:t>18-4-2017</a:t>
+              <a:t>20-4-2017</a:t>
             </a:fld>
             <a:endParaRPr lang="nl-NL"/>
           </a:p>
@@ -1654,7 +1660,7 @@
           <a:p>
             <a:fld id="{7FF7895B-90F1-4A08-8B09-7A24A444AEF5}" type="slidenum">
               <a:rPr lang="nl-NL" smtClean="0"/>
-              <a:t>‹nr.›</a:t>
+              <a:t>‹#›</a:t>
             </a:fld>
             <a:endParaRPr lang="nl-NL"/>
           </a:p>
@@ -1730,7 +1736,7 @@
           <a:p>
             <a:fld id="{F2B6AC3F-E101-4B39-86B2-43B73117F4A4}" type="datetimeFigureOut">
               <a:rPr lang="nl-NL" smtClean="0"/>
-              <a:t>18-4-2017</a:t>
+              <a:t>20-4-2017</a:t>
             </a:fld>
             <a:endParaRPr lang="nl-NL"/>
           </a:p>
@@ -1772,7 +1778,7 @@
           <a:p>
             <a:fld id="{7FF7895B-90F1-4A08-8B09-7A24A444AEF5}" type="slidenum">
               <a:rPr lang="nl-NL" smtClean="0"/>
-              <a:t>‹nr.›</a:t>
+              <a:t>‹#›</a:t>
             </a:fld>
             <a:endParaRPr lang="nl-NL"/>
           </a:p>
@@ -1825,7 +1831,7 @@
           <a:p>
             <a:fld id="{F2B6AC3F-E101-4B39-86B2-43B73117F4A4}" type="datetimeFigureOut">
               <a:rPr lang="nl-NL" smtClean="0"/>
-              <a:t>18-4-2017</a:t>
+              <a:t>20-4-2017</a:t>
             </a:fld>
             <a:endParaRPr lang="nl-NL"/>
           </a:p>
@@ -1867,7 +1873,7 @@
           <a:p>
             <a:fld id="{7FF7895B-90F1-4A08-8B09-7A24A444AEF5}" type="slidenum">
               <a:rPr lang="nl-NL" smtClean="0"/>
-              <a:t>‹nr.›</a:t>
+              <a:t>‹#›</a:t>
             </a:fld>
             <a:endParaRPr lang="nl-NL"/>
           </a:p>
@@ -2102,7 +2108,7 @@
           <a:p>
             <a:fld id="{F2B6AC3F-E101-4B39-86B2-43B73117F4A4}" type="datetimeFigureOut">
               <a:rPr lang="nl-NL" smtClean="0"/>
-              <a:t>18-4-2017</a:t>
+              <a:t>20-4-2017</a:t>
             </a:fld>
             <a:endParaRPr lang="nl-NL"/>
           </a:p>
@@ -2144,7 +2150,7 @@
           <a:p>
             <a:fld id="{7FF7895B-90F1-4A08-8B09-7A24A444AEF5}" type="slidenum">
               <a:rPr lang="nl-NL" smtClean="0"/>
-              <a:t>‹nr.›</a:t>
+              <a:t>‹#›</a:t>
             </a:fld>
             <a:endParaRPr lang="nl-NL"/>
           </a:p>
@@ -2355,7 +2361,7 @@
           <a:p>
             <a:fld id="{F2B6AC3F-E101-4B39-86B2-43B73117F4A4}" type="datetimeFigureOut">
               <a:rPr lang="nl-NL" smtClean="0"/>
-              <a:t>18-4-2017</a:t>
+              <a:t>20-4-2017</a:t>
             </a:fld>
             <a:endParaRPr lang="nl-NL"/>
           </a:p>
@@ -2397,7 +2403,7 @@
           <a:p>
             <a:fld id="{7FF7895B-90F1-4A08-8B09-7A24A444AEF5}" type="slidenum">
               <a:rPr lang="nl-NL" smtClean="0"/>
-              <a:t>‹nr.›</a:t>
+              <a:t>‹#›</a:t>
             </a:fld>
             <a:endParaRPr lang="nl-NL"/>
           </a:p>
@@ -2568,7 +2574,7 @@
           <a:p>
             <a:fld id="{F2B6AC3F-E101-4B39-86B2-43B73117F4A4}" type="datetimeFigureOut">
               <a:rPr lang="nl-NL" smtClean="0"/>
-              <a:t>18-4-2017</a:t>
+              <a:t>20-4-2017</a:t>
             </a:fld>
             <a:endParaRPr lang="nl-NL"/>
           </a:p>
@@ -2646,7 +2652,7 @@
           <a:p>
             <a:fld id="{7FF7895B-90F1-4A08-8B09-7A24A444AEF5}" type="slidenum">
               <a:rPr lang="nl-NL" smtClean="0"/>
-              <a:t>‹nr.›</a:t>
+              <a:t>‹#›</a:t>
             </a:fld>
             <a:endParaRPr lang="nl-NL"/>
           </a:p>
@@ -3248,18 +3254,203 @@
           <a:bodyPr/>
           <a:lstStyle/>
           <a:p>
-            <a:endParaRPr lang="nl-NL"/>
-          </a:p>
-        </p:txBody>
-      </p:sp>
-      <p:sp>
-        <p:nvSpPr>
-          <p:cNvPr id="3" name="Tijdelijke aanduiding voor inhoud 2"/>
+            <a:r>
+              <a:rPr lang="nl-NL" dirty="0" smtClean="0">
+                <a:latin typeface="Times New Roman" panose="02020603050405020304" pitchFamily="18" charset="0"/>
+                <a:cs typeface="Times New Roman" panose="02020603050405020304" pitchFamily="18" charset="0"/>
+              </a:rPr>
+              <a:t>OPLOSSING</a:t>
+            </a:r>
+            <a:endParaRPr lang="nl-NL" dirty="0">
+              <a:latin typeface="Times New Roman" panose="02020603050405020304" pitchFamily="18" charset="0"/>
+              <a:cs typeface="Times New Roman" panose="02020603050405020304" pitchFamily="18" charset="0"/>
+            </a:endParaRPr>
+          </a:p>
+        </p:txBody>
+      </p:sp>
+      <p:sp>
+        <p:nvSpPr>
+          <p:cNvPr id="5" name="Tijdelijke aanduiding voor inhoud 4"/>
           <p:cNvSpPr>
             <a:spLocks noGrp="1"/>
           </p:cNvSpPr>
           <p:nvPr>
             <p:ph idx="1"/>
+          </p:nvPr>
+        </p:nvSpPr>
+        <p:spPr/>
+        <p:txBody>
+          <a:bodyPr>
+            <a:normAutofit/>
+          </a:bodyPr>
+          <a:lstStyle/>
+          <a:p>
+            <a:r>
+              <a:rPr lang="nl-NL" dirty="0" err="1" smtClean="0">
+                <a:latin typeface="Times New Roman" panose="02020603050405020304" pitchFamily="18" charset="0"/>
+                <a:cs typeface="Times New Roman" panose="02020603050405020304" pitchFamily="18" charset="0"/>
+              </a:rPr>
+              <a:t>Breadth</a:t>
+            </a:r>
+            <a:r>
+              <a:rPr lang="nl-NL" dirty="0" smtClean="0">
+                <a:latin typeface="Times New Roman" panose="02020603050405020304" pitchFamily="18" charset="0"/>
+                <a:cs typeface="Times New Roman" panose="02020603050405020304" pitchFamily="18" charset="0"/>
+              </a:rPr>
+              <a:t>-first algoritme met als beste oplossing een zo laag mogelijke </a:t>
+            </a:r>
+            <a:r>
+              <a:rPr lang="nl-NL" b="1" dirty="0" smtClean="0">
+                <a:latin typeface="Times New Roman" panose="02020603050405020304" pitchFamily="18" charset="0"/>
+                <a:cs typeface="Times New Roman" panose="02020603050405020304" pitchFamily="18" charset="0"/>
+              </a:rPr>
+              <a:t>totale aantal </a:t>
+            </a:r>
+            <a:r>
+              <a:rPr lang="nl-NL" b="1" dirty="0" err="1" smtClean="0">
+                <a:latin typeface="Times New Roman" panose="02020603050405020304" pitchFamily="18" charset="0"/>
+                <a:cs typeface="Times New Roman" panose="02020603050405020304" pitchFamily="18" charset="0"/>
+              </a:rPr>
+              <a:t>flips</a:t>
+            </a:r>
+            <a:r>
+              <a:rPr lang="nl-NL" dirty="0" smtClean="0">
+                <a:latin typeface="Times New Roman" panose="02020603050405020304" pitchFamily="18" charset="0"/>
+                <a:cs typeface="Times New Roman" panose="02020603050405020304" pitchFamily="18" charset="0"/>
+              </a:rPr>
+              <a:t> of een zo laag mogelijke </a:t>
+            </a:r>
+            <a:r>
+              <a:rPr lang="nl-NL" b="1" dirty="0" smtClean="0">
+                <a:latin typeface="Times New Roman" panose="02020603050405020304" pitchFamily="18" charset="0"/>
+                <a:cs typeface="Times New Roman" panose="02020603050405020304" pitchFamily="18" charset="0"/>
+              </a:rPr>
+              <a:t>mutatiepunt-score</a:t>
+            </a:r>
+            <a:r>
+              <a:rPr lang="nl-NL" dirty="0" smtClean="0">
+                <a:latin typeface="Times New Roman" panose="02020603050405020304" pitchFamily="18" charset="0"/>
+                <a:cs typeface="Times New Roman" panose="02020603050405020304" pitchFamily="18" charset="0"/>
+              </a:rPr>
+              <a:t>.</a:t>
+            </a:r>
+          </a:p>
+          <a:p>
+            <a:pPr marL="457200" lvl="1" indent="0">
+              <a:buNone/>
+            </a:pPr>
+            <a:r>
+              <a:rPr lang="nl-NL" sz="2000" dirty="0" smtClean="0">
+                <a:latin typeface="Times New Roman" panose="02020603050405020304" pitchFamily="18" charset="0"/>
+                <a:cs typeface="Times New Roman" panose="02020603050405020304" pitchFamily="18" charset="0"/>
+              </a:rPr>
+              <a:t>maar geheugenproblemen bij lange sequenties, eerst proberen met kortere en dan </a:t>
+            </a:r>
+            <a:r>
+              <a:rPr lang="nl-NL" sz="2000" i="1" dirty="0" smtClean="0">
+                <a:latin typeface="Times New Roman" panose="02020603050405020304" pitchFamily="18" charset="0"/>
+                <a:cs typeface="Times New Roman" panose="02020603050405020304" pitchFamily="18" charset="0"/>
+              </a:rPr>
+              <a:t>slimme</a:t>
+            </a:r>
+            <a:r>
+              <a:rPr lang="nl-NL" sz="2000" dirty="0" smtClean="0">
+                <a:latin typeface="Times New Roman" panose="02020603050405020304" pitchFamily="18" charset="0"/>
+                <a:cs typeface="Times New Roman" panose="02020603050405020304" pitchFamily="18" charset="0"/>
+              </a:rPr>
+              <a:t> heuristieken:</a:t>
+            </a:r>
+          </a:p>
+          <a:p>
+            <a:endParaRPr lang="nl-NL" dirty="0">
+              <a:latin typeface="Times New Roman" panose="02020603050405020304" pitchFamily="18" charset="0"/>
+              <a:cs typeface="Times New Roman" panose="02020603050405020304" pitchFamily="18" charset="0"/>
+            </a:endParaRPr>
+          </a:p>
+          <a:p>
+            <a:r>
+              <a:rPr lang="nl-NL" b="1" dirty="0" err="1" smtClean="0">
+                <a:latin typeface="Times New Roman" panose="02020603050405020304" pitchFamily="18" charset="0"/>
+                <a:cs typeface="Times New Roman" panose="02020603050405020304" pitchFamily="18" charset="0"/>
+              </a:rPr>
+              <a:t>Pruning</a:t>
+            </a:r>
+            <a:endParaRPr lang="nl-NL" b="1" dirty="0" smtClean="0">
+              <a:latin typeface="Times New Roman" panose="02020603050405020304" pitchFamily="18" charset="0"/>
+              <a:cs typeface="Times New Roman" panose="02020603050405020304" pitchFamily="18" charset="0"/>
+            </a:endParaRPr>
+          </a:p>
+          <a:p>
+            <a:endParaRPr lang="nl-NL" b="1" dirty="0">
+              <a:latin typeface="Times New Roman" panose="02020603050405020304" pitchFamily="18" charset="0"/>
+              <a:cs typeface="Times New Roman" panose="02020603050405020304" pitchFamily="18" charset="0"/>
+            </a:endParaRPr>
+          </a:p>
+          <a:p>
+            <a:r>
+              <a:rPr lang="nl-NL" b="1" dirty="0" smtClean="0">
+                <a:latin typeface="Times New Roman" panose="02020603050405020304" pitchFamily="18" charset="0"/>
+                <a:cs typeface="Times New Roman" panose="02020603050405020304" pitchFamily="18" charset="0"/>
+              </a:rPr>
+              <a:t>Archief</a:t>
+            </a:r>
+          </a:p>
+          <a:p>
+            <a:pPr marL="0" indent="0">
+              <a:buNone/>
+            </a:pPr>
+            <a:endParaRPr lang="nl-NL" dirty="0">
+              <a:latin typeface="Times New Roman" panose="02020603050405020304" pitchFamily="18" charset="0"/>
+              <a:cs typeface="Times New Roman" panose="02020603050405020304" pitchFamily="18" charset="0"/>
+            </a:endParaRPr>
+          </a:p>
+        </p:txBody>
+      </p:sp>
+    </p:spTree>
+    <p:extLst>
+      <p:ext uri="{BB962C8B-B14F-4D97-AF65-F5344CB8AC3E}">
+        <p14:creationId xmlns:p14="http://schemas.microsoft.com/office/powerpoint/2010/main" val="1462278851"/>
+      </p:ext>
+    </p:extLst>
+  </p:cSld>
+  <p:clrMapOvr>
+    <a:masterClrMapping/>
+  </p:clrMapOvr>
+  <p:timing>
+    <p:tnLst>
+      <p:par>
+        <p:cTn id="1" dur="indefinite" restart="never" nodeType="tmRoot"/>
+      </p:par>
+    </p:tnLst>
+  </p:timing>
+</p:sld>
+</file>
+
+<file path=ppt/slides/slide11.xml><?xml version="1.0" encoding="utf-8"?>
+<p:sld xmlns:a="http://schemas.openxmlformats.org/drawingml/2006/main" xmlns:r="http://schemas.openxmlformats.org/officeDocument/2006/relationships" xmlns:p="http://schemas.openxmlformats.org/presentationml/2006/main">
+  <p:cSld>
+    <p:spTree>
+      <p:nvGrpSpPr>
+        <p:cNvPr id="1" name=""/>
+        <p:cNvGrpSpPr/>
+        <p:nvPr/>
+      </p:nvGrpSpPr>
+      <p:grpSpPr>
+        <a:xfrm>
+          <a:off x="0" y="0"/>
+          <a:ext cx="0" cy="0"/>
+          <a:chOff x="0" y="0"/>
+          <a:chExt cx="0" cy="0"/>
+        </a:xfrm>
+      </p:grpSpPr>
+      <p:sp>
+        <p:nvSpPr>
+          <p:cNvPr id="2" name="Titel 1"/>
+          <p:cNvSpPr>
+            <a:spLocks noGrp="1"/>
+          </p:cNvSpPr>
+          <p:nvPr>
+            <p:ph type="title"/>
           </p:nvPr>
         </p:nvSpPr>
         <p:spPr/>
@@ -3267,10 +3458,88 @@
           <a:bodyPr/>
           <a:lstStyle/>
           <a:p>
-            <a:endParaRPr lang="nl-NL"/>
-          </a:p>
-        </p:txBody>
-      </p:sp>
+            <a:r>
+              <a:rPr lang="nl-NL" dirty="0" smtClean="0">
+                <a:latin typeface="Times New Roman" panose="02020603050405020304" pitchFamily="18" charset="0"/>
+                <a:cs typeface="Times New Roman" panose="02020603050405020304" pitchFamily="18" charset="0"/>
+              </a:rPr>
+              <a:t>Einde</a:t>
+            </a:r>
+            <a:endParaRPr lang="nl-NL" dirty="0">
+              <a:latin typeface="Times New Roman" panose="02020603050405020304" pitchFamily="18" charset="0"/>
+              <a:cs typeface="Times New Roman" panose="02020603050405020304" pitchFamily="18" charset="0"/>
+            </a:endParaRPr>
+          </a:p>
+        </p:txBody>
+      </p:sp>
+      <p:sp>
+        <p:nvSpPr>
+          <p:cNvPr id="3" name="Tijdelijke aanduiding voor inhoud 2"/>
+          <p:cNvSpPr>
+            <a:spLocks noGrp="1"/>
+          </p:cNvSpPr>
+          <p:nvPr>
+            <p:ph idx="1"/>
+          </p:nvPr>
+        </p:nvSpPr>
+        <p:spPr/>
+        <p:txBody>
+          <a:bodyPr/>
+          <a:lstStyle/>
+          <a:p>
+            <a:r>
+              <a:rPr lang="nl-NL" dirty="0" smtClean="0">
+                <a:latin typeface="Times New Roman" panose="02020603050405020304" pitchFamily="18" charset="0"/>
+                <a:cs typeface="Times New Roman" panose="02020603050405020304" pitchFamily="18" charset="0"/>
+              </a:rPr>
+              <a:t>Vragen?</a:t>
+            </a:r>
+          </a:p>
+          <a:p>
+            <a:endParaRPr lang="nl-NL" dirty="0">
+              <a:latin typeface="Times New Roman" panose="02020603050405020304" pitchFamily="18" charset="0"/>
+              <a:cs typeface="Times New Roman" panose="02020603050405020304" pitchFamily="18" charset="0"/>
+            </a:endParaRPr>
+          </a:p>
+          <a:p>
+            <a:r>
+              <a:rPr lang="nl-NL" dirty="0" smtClean="0">
+                <a:latin typeface="Times New Roman" panose="02020603050405020304" pitchFamily="18" charset="0"/>
+                <a:cs typeface="Times New Roman" panose="02020603050405020304" pitchFamily="18" charset="0"/>
+              </a:rPr>
+              <a:t>Feedback? </a:t>
+            </a:r>
+            <a:endParaRPr lang="nl-NL" dirty="0">
+              <a:latin typeface="Times New Roman" panose="02020603050405020304" pitchFamily="18" charset="0"/>
+              <a:cs typeface="Times New Roman" panose="02020603050405020304" pitchFamily="18" charset="0"/>
+            </a:endParaRPr>
+          </a:p>
+        </p:txBody>
+      </p:sp>
+      <p:pic>
+        <p:nvPicPr>
+          <p:cNvPr id="4" name="Picture 3"/>
+          <p:cNvPicPr>
+            <a:picLocks noChangeAspect="1"/>
+          </p:cNvPicPr>
+          <p:nvPr/>
+        </p:nvPicPr>
+        <p:blipFill>
+          <a:blip r:embed="rId2"/>
+          <a:stretch>
+            <a:fillRect/>
+          </a:stretch>
+        </p:blipFill>
+        <p:spPr>
+          <a:xfrm>
+            <a:off x="4244197" y="1246105"/>
+            <a:ext cx="7868458" cy="5503152"/>
+          </a:xfrm>
+          <a:prstGeom prst="rect">
+            <a:avLst/>
+          </a:prstGeom>
+        </p:spPr>
+      </p:pic>
     </p:spTree>
     <p:extLst>
       <p:ext uri="{BB962C8B-B14F-4D97-AF65-F5344CB8AC3E}">
@@ -3918,18 +4187,24 @@
                     <m:sSup>
                       <m:sSupPr>
                         <m:ctrlPr>
-                          <a:rPr lang="nl-NL" sz="4300" i="1"/>
+                          <a:rPr lang="nl-NL" sz="4300" i="1">
+                            <a:latin typeface="Cambria Math" panose="02040503050406030204" pitchFamily="18" charset="0"/>
+                          </a:rPr>
                         </m:ctrlPr>
                       </m:sSupPr>
                       <m:e>
                         <m:r>
-                          <a:rPr lang="en-GB" sz="4300" i="1"/>
+                          <a:rPr lang="en-GB" sz="4300" i="1">
+                            <a:latin typeface="Cambria Math" panose="02040503050406030204" pitchFamily="18" charset="0"/>
+                          </a:rPr>
                           <m:t>10</m:t>
                         </m:r>
                       </m:e>
                       <m:sup>
                         <m:r>
-                          <a:rPr lang="en-GB" sz="4300" i="1"/>
+                          <a:rPr lang="en-GB" sz="4300" i="1">
+                            <a:latin typeface="Cambria Math" panose="02040503050406030204" pitchFamily="18" charset="0"/>
+                          </a:rPr>
                           <m:t>25</m:t>
                         </m:r>
                       </m:sup>
@@ -3953,26 +4228,110 @@
                   <a:buNone/>
                 </a:pPr>
                 <a:r>
-                  <a:rPr lang="en-GB" dirty="0" smtClean="0">
+                  <a:rPr lang="en-GB" dirty="0">
                     <a:latin typeface="Times New Roman" panose="02020603050405020304" pitchFamily="18" charset="0"/>
                     <a:cs typeface="Times New Roman" panose="02020603050405020304" pitchFamily="18" charset="0"/>
                   </a:rPr>
-                  <a:t>or </a:t>
+                  <a:t>of 15 </a:t>
+                </a:r>
+                <a:r>
+                  <a:rPr lang="en-GB" dirty="0" err="1">
+                    <a:latin typeface="Times New Roman" panose="02020603050405020304" pitchFamily="18" charset="0"/>
+                    <a:cs typeface="Times New Roman" panose="02020603050405020304" pitchFamily="18" charset="0"/>
+                  </a:rPr>
+                  <a:t>quadriljoen</a:t>
                 </a:r>
                 <a:r>
                   <a:rPr lang="en-GB" dirty="0">
                     <a:latin typeface="Times New Roman" panose="02020603050405020304" pitchFamily="18" charset="0"/>
                     <a:cs typeface="Times New Roman" panose="02020603050405020304" pitchFamily="18" charset="0"/>
                   </a:rPr>
-                  <a:t>15 septillion possible ways to order the genome of the </a:t>
+                  <a:t> </a:t>
+                </a:r>
+                <a:r>
+                  <a:rPr lang="en-GB" dirty="0" err="1">
+                    <a:latin typeface="Times New Roman" panose="02020603050405020304" pitchFamily="18" charset="0"/>
+                    <a:cs typeface="Times New Roman" panose="02020603050405020304" pitchFamily="18" charset="0"/>
+                  </a:rPr>
+                  <a:t>mogelijke</a:t>
+                </a:r>
+                <a:r>
+                  <a:rPr lang="en-GB" dirty="0">
+                    <a:latin typeface="Times New Roman" panose="02020603050405020304" pitchFamily="18" charset="0"/>
+                    <a:cs typeface="Times New Roman" panose="02020603050405020304" pitchFamily="18" charset="0"/>
+                  </a:rPr>
+                  <a:t> </a:t>
+                </a:r>
+                <a:r>
+                  <a:rPr lang="en-GB" dirty="0" err="1">
+                    <a:latin typeface="Times New Roman" panose="02020603050405020304" pitchFamily="18" charset="0"/>
+                    <a:cs typeface="Times New Roman" panose="02020603050405020304" pitchFamily="18" charset="0"/>
+                  </a:rPr>
+                  <a:t>manieren</a:t>
+                </a:r>
+                <a:r>
+                  <a:rPr lang="en-GB" dirty="0">
+                    <a:latin typeface="Times New Roman" panose="02020603050405020304" pitchFamily="18" charset="0"/>
+                    <a:cs typeface="Times New Roman" panose="02020603050405020304" pitchFamily="18" charset="0"/>
+                  </a:rPr>
+                  <a:t> om het </a:t>
+                </a:r>
+                <a:r>
+                  <a:rPr lang="en-GB" dirty="0" err="1">
+                    <a:latin typeface="Times New Roman" panose="02020603050405020304" pitchFamily="18" charset="0"/>
+                    <a:cs typeface="Times New Roman" panose="02020603050405020304" pitchFamily="18" charset="0"/>
+                  </a:rPr>
+                  <a:t>genoom</a:t>
+                </a:r>
+                <a:r>
+                  <a:rPr lang="en-GB" dirty="0">
+                    <a:latin typeface="Times New Roman" panose="02020603050405020304" pitchFamily="18" charset="0"/>
+                    <a:cs typeface="Times New Roman" panose="02020603050405020304" pitchFamily="18" charset="0"/>
+                  </a:rPr>
+                  <a:t> van </a:t>
                 </a:r>
                 <a:r>
                   <a:rPr lang="en-GB" i="1" dirty="0">
                     <a:latin typeface="Times New Roman" panose="02020603050405020304" pitchFamily="18" charset="0"/>
                     <a:cs typeface="Times New Roman" panose="02020603050405020304" pitchFamily="18" charset="0"/>
                   </a:rPr>
-                  <a:t>Drosophila.</a:t>
+                  <a:t>Drosophila </a:t>
                 </a:r>
+                <a:r>
+                  <a:rPr lang="en-GB" dirty="0" err="1">
+                    <a:latin typeface="Times New Roman" panose="02020603050405020304" pitchFamily="18" charset="0"/>
+                    <a:cs typeface="Times New Roman" panose="02020603050405020304" pitchFamily="18" charset="0"/>
+                  </a:rPr>
+                  <a:t>te</a:t>
+                </a:r>
+                <a:r>
+                  <a:rPr lang="en-GB" dirty="0">
+                    <a:latin typeface="Times New Roman" panose="02020603050405020304" pitchFamily="18" charset="0"/>
+                    <a:cs typeface="Times New Roman" panose="02020603050405020304" pitchFamily="18" charset="0"/>
+                  </a:rPr>
+                  <a:t> </a:t>
+                </a:r>
+                <a:r>
+                  <a:rPr lang="en-GB" dirty="0" err="1">
+                    <a:latin typeface="Times New Roman" panose="02020603050405020304" pitchFamily="18" charset="0"/>
+                    <a:cs typeface="Times New Roman" panose="02020603050405020304" pitchFamily="18" charset="0"/>
+                  </a:rPr>
+                  <a:t>ordenen</a:t>
+                </a:r>
+                <a:r>
+                  <a:rPr lang="en-GB" i="1" dirty="0">
+                    <a:latin typeface="Times New Roman" panose="02020603050405020304" pitchFamily="18" charset="0"/>
+                    <a:cs typeface="Times New Roman" panose="02020603050405020304" pitchFamily="18" charset="0"/>
+                  </a:rPr>
+                  <a:t>.</a:t>
+                </a:r>
+                <a:endParaRPr lang="nl-NL" dirty="0">
+                  <a:latin typeface="Times New Roman" panose="02020603050405020304" pitchFamily="18" charset="0"/>
+                  <a:cs typeface="Times New Roman" panose="02020603050405020304" pitchFamily="18" charset="0"/>
+                </a:endParaRPr>
+              </a:p>
+              <a:p>
+                <a:pPr algn="ctr"/>
                 <a:endParaRPr lang="nl-NL" dirty="0">
                   <a:latin typeface="Times New Roman" panose="02020603050405020304" pitchFamily="18" charset="0"/>
                   <a:cs typeface="Times New Roman" panose="02020603050405020304" pitchFamily="18" charset="0"/>
@@ -4007,7 +4366,7 @@
               <a:blipFill rotWithShape="0">
                 <a:blip r:embed="rId2"/>
                 <a:stretch>
-                  <a:fillRect l="-1252" t="-10194" b="-13592"/>
+                  <a:fillRect l="-1302" t="-14563" b="-9223"/>
                 </a:stretch>
               </a:blipFill>
             </p:spPr>
@@ -4016,7 +4375,7 @@
               <a:lstStyle/>
               <a:p>
                 <a:r>
-                  <a:rPr lang="nl-NL">
+                  <a:rPr lang="en-GB">
                     <a:noFill/>
                   </a:rPr>
                   <a:t> </a:t>
@@ -4260,18 +4619,24 @@
                     <m:sSup>
                       <m:sSupPr>
                         <m:ctrlPr>
-                          <a:rPr lang="nl-NL" sz="4300" i="1"/>
+                          <a:rPr lang="nl-NL" sz="4300" i="1">
+                            <a:latin typeface="Cambria Math" panose="02040503050406030204" pitchFamily="18" charset="0"/>
+                          </a:rPr>
                         </m:ctrlPr>
                       </m:sSupPr>
                       <m:e>
                         <m:r>
-                          <a:rPr lang="en-GB" sz="4300" i="1"/>
+                          <a:rPr lang="en-GB" sz="4300" i="1">
+                            <a:latin typeface="Cambria Math" panose="02040503050406030204" pitchFamily="18" charset="0"/>
+                          </a:rPr>
                           <m:t>10</m:t>
                         </m:r>
                       </m:e>
                       <m:sup>
                         <m:r>
-                          <a:rPr lang="en-GB" sz="4300" i="1"/>
+                          <a:rPr lang="en-GB" sz="4300" i="1">
+                            <a:latin typeface="Cambria Math" panose="02040503050406030204" pitchFamily="18" charset="0"/>
+                          </a:rPr>
                           <m:t>25</m:t>
                         </m:r>
                       </m:sup>
@@ -4299,21 +4664,112 @@
                     <a:latin typeface="Times New Roman" panose="02020603050405020304" pitchFamily="18" charset="0"/>
                     <a:cs typeface="Times New Roman" panose="02020603050405020304" pitchFamily="18" charset="0"/>
                   </a:rPr>
-                  <a:t>or </a:t>
+                  <a:t>of </a:t>
                 </a:r>
                 <a:r>
                   <a:rPr lang="en-GB" dirty="0">
                     <a:latin typeface="Times New Roman" panose="02020603050405020304" pitchFamily="18" charset="0"/>
                     <a:cs typeface="Times New Roman" panose="02020603050405020304" pitchFamily="18" charset="0"/>
                   </a:rPr>
-                  <a:t>15 septillion possible ways to order the genome of the </a:t>
+                  <a:t>15 </a:t>
                 </a:r>
                 <a:r>
-                  <a:rPr lang="en-GB" i="1" dirty="0">
+                  <a:rPr lang="en-GB" dirty="0" err="1" smtClean="0">
                     <a:latin typeface="Times New Roman" panose="02020603050405020304" pitchFamily="18" charset="0"/>
                     <a:cs typeface="Times New Roman" panose="02020603050405020304" pitchFamily="18" charset="0"/>
                   </a:rPr>
-                  <a:t>Drosophila.</a:t>
+                  <a:t>quadriljoen</a:t>
+                </a:r>
+                <a:r>
+                  <a:rPr lang="en-GB" dirty="0" smtClean="0">
+                    <a:latin typeface="Times New Roman" panose="02020603050405020304" pitchFamily="18" charset="0"/>
+                    <a:cs typeface="Times New Roman" panose="02020603050405020304" pitchFamily="18" charset="0"/>
+                  </a:rPr>
+                  <a:t> </a:t>
+                </a:r>
+                <a:r>
+                  <a:rPr lang="en-GB" dirty="0" err="1" smtClean="0">
+                    <a:latin typeface="Times New Roman" panose="02020603050405020304" pitchFamily="18" charset="0"/>
+                    <a:cs typeface="Times New Roman" panose="02020603050405020304" pitchFamily="18" charset="0"/>
+                  </a:rPr>
+                  <a:t>mogelijke</a:t>
+                </a:r>
+                <a:r>
+                  <a:rPr lang="en-GB" dirty="0" smtClean="0">
+                    <a:latin typeface="Times New Roman" panose="02020603050405020304" pitchFamily="18" charset="0"/>
+                    <a:cs typeface="Times New Roman" panose="02020603050405020304" pitchFamily="18" charset="0"/>
+                  </a:rPr>
+                  <a:t> </a:t>
+                </a:r>
+                <a:r>
+                  <a:rPr lang="en-GB" dirty="0" err="1" smtClean="0">
+                    <a:latin typeface="Times New Roman" panose="02020603050405020304" pitchFamily="18" charset="0"/>
+                    <a:cs typeface="Times New Roman" panose="02020603050405020304" pitchFamily="18" charset="0"/>
+                  </a:rPr>
+                  <a:t>manieren</a:t>
+                </a:r>
+                <a:r>
+                  <a:rPr lang="en-GB" dirty="0" smtClean="0">
+                    <a:latin typeface="Times New Roman" panose="02020603050405020304" pitchFamily="18" charset="0"/>
+                    <a:cs typeface="Times New Roman" panose="02020603050405020304" pitchFamily="18" charset="0"/>
+                  </a:rPr>
+                  <a:t> om het </a:t>
+                </a:r>
+                <a:r>
+                  <a:rPr lang="en-GB" dirty="0" err="1" smtClean="0">
+                    <a:latin typeface="Times New Roman" panose="02020603050405020304" pitchFamily="18" charset="0"/>
+                    <a:cs typeface="Times New Roman" panose="02020603050405020304" pitchFamily="18" charset="0"/>
+                  </a:rPr>
+                  <a:t>genoom</a:t>
+                </a:r>
+                <a:r>
+                  <a:rPr lang="en-GB" dirty="0" smtClean="0">
+                    <a:latin typeface="Times New Roman" panose="02020603050405020304" pitchFamily="18" charset="0"/>
+                    <a:cs typeface="Times New Roman" panose="02020603050405020304" pitchFamily="18" charset="0"/>
+                  </a:rPr>
+                  <a:t> van</a:t>
+                </a:r>
+                <a:r>
+                  <a:rPr lang="en-GB" dirty="0" smtClean="0">
+                    <a:latin typeface="Times New Roman" panose="02020603050405020304" pitchFamily="18" charset="0"/>
+                    <a:cs typeface="Times New Roman" panose="02020603050405020304" pitchFamily="18" charset="0"/>
+                  </a:rPr>
+                  <a:t> </a:t>
+                </a:r>
+                <a:r>
+                  <a:rPr lang="en-GB" i="1" dirty="0" smtClean="0">
+                    <a:latin typeface="Times New Roman" panose="02020603050405020304" pitchFamily="18" charset="0"/>
+                    <a:cs typeface="Times New Roman" panose="02020603050405020304" pitchFamily="18" charset="0"/>
+                  </a:rPr>
+                  <a:t>Drosophila </a:t>
+                </a:r>
+                <a:r>
+                  <a:rPr lang="en-GB" dirty="0" err="1" smtClean="0">
+                    <a:latin typeface="Times New Roman" panose="02020603050405020304" pitchFamily="18" charset="0"/>
+                    <a:cs typeface="Times New Roman" panose="02020603050405020304" pitchFamily="18" charset="0"/>
+                  </a:rPr>
+                  <a:t>te</a:t>
+                </a:r>
+                <a:r>
+                  <a:rPr lang="en-GB" dirty="0" smtClean="0">
+                    <a:latin typeface="Times New Roman" panose="02020603050405020304" pitchFamily="18" charset="0"/>
+                    <a:cs typeface="Times New Roman" panose="02020603050405020304" pitchFamily="18" charset="0"/>
+                  </a:rPr>
+                  <a:t> </a:t>
+                </a:r>
+                <a:r>
+                  <a:rPr lang="en-GB" dirty="0" err="1" smtClean="0">
+                    <a:latin typeface="Times New Roman" panose="02020603050405020304" pitchFamily="18" charset="0"/>
+                    <a:cs typeface="Times New Roman" panose="02020603050405020304" pitchFamily="18" charset="0"/>
+                  </a:rPr>
+                  <a:t>ordenen</a:t>
+                </a:r>
+                <a:r>
+                  <a:rPr lang="en-GB" i="1" dirty="0" smtClean="0">
+                    <a:latin typeface="Times New Roman" panose="02020603050405020304" pitchFamily="18" charset="0"/>
+                    <a:cs typeface="Times New Roman" panose="02020603050405020304" pitchFamily="18" charset="0"/>
+                  </a:rPr>
+                  <a:t>.</a:t>
                 </a:r>
                 <a:endParaRPr lang="nl-NL" dirty="0">
                   <a:latin typeface="Times New Roman" panose="02020603050405020304" pitchFamily="18" charset="0"/>
@@ -4349,7 +4805,7 @@
               <a:blipFill rotWithShape="0">
                 <a:blip r:embed="rId3"/>
                 <a:stretch>
-                  <a:fillRect l="-1252" t="-10194" b="-13592"/>
+                  <a:fillRect l="-1302" t="-14563" b="-9223"/>
                 </a:stretch>
               </a:blipFill>
             </p:spPr>
@@ -4358,7 +4814,7 @@
               <a:lstStyle/>
               <a:p>
                 <a:r>
-                  <a:rPr lang="nl-NL">
+                  <a:rPr lang="en-GB">
                     <a:noFill/>
                   </a:rPr>
                   <a:t> </a:t>
@@ -4637,7 +5093,7 @@
         </p:blipFill>
         <p:spPr bwMode="auto">
           <a:xfrm rot="9310560">
-            <a:off x="419269" y="3856935"/>
+            <a:off x="247423" y="3867421"/>
             <a:ext cx="1088585" cy="750940"/>
           </a:xfrm>
           <a:prstGeom prst="rect">
@@ -4827,6 +5283,207 @@
         </p:nvSpPr>
         <p:spPr>
           <a:xfrm>
+            <a:off x="7620000" y="341418"/>
+            <a:ext cx="4203032" cy="1134998"/>
+          </a:xfrm>
+        </p:spPr>
+        <p:txBody>
+          <a:bodyPr/>
+          <a:lstStyle/>
+          <a:p>
+            <a:pPr algn="r"/>
+            <a:r>
+              <a:rPr lang="nl-NL" dirty="0" smtClean="0">
+                <a:latin typeface="Times New Roman" panose="02020603050405020304" pitchFamily="18" charset="0"/>
+                <a:cs typeface="Times New Roman" panose="02020603050405020304" pitchFamily="18" charset="0"/>
+              </a:rPr>
+              <a:t>Toestandsruimte</a:t>
+            </a:r>
+            <a:endParaRPr lang="nl-NL" dirty="0">
+              <a:latin typeface="Times New Roman" panose="02020603050405020304" pitchFamily="18" charset="0"/>
+              <a:cs typeface="Times New Roman" panose="02020603050405020304" pitchFamily="18" charset="0"/>
+            </a:endParaRPr>
+          </a:p>
+        </p:txBody>
+      </p:sp>
+      <p:sp>
+        <p:nvSpPr>
+          <p:cNvPr id="3" name="Tijdelijke aanduiding voor inhoud 2"/>
+          <p:cNvSpPr>
+            <a:spLocks noGrp="1"/>
+          </p:cNvSpPr>
+          <p:nvPr>
+            <p:ph idx="1"/>
+          </p:nvPr>
+        </p:nvSpPr>
+        <p:spPr>
+          <a:xfrm>
+            <a:off x="20053" y="2573004"/>
+            <a:ext cx="12171947" cy="1256724"/>
+          </a:xfrm>
+        </p:spPr>
+        <p:txBody>
+          <a:bodyPr>
+            <a:normAutofit/>
+          </a:bodyPr>
+          <a:lstStyle/>
+          <a:p>
+            <a:pPr marL="0" indent="0" algn="ctr">
+              <a:buNone/>
+            </a:pPr>
+            <a:r>
+              <a:rPr lang="en-GB" sz="4300" dirty="0" smtClean="0">
+                <a:latin typeface="Times New Roman" panose="02020603050405020304" pitchFamily="18" charset="0"/>
+                <a:cs typeface="Times New Roman" panose="02020603050405020304" pitchFamily="18" charset="0"/>
+              </a:rPr>
+              <a:t>24+23+22+21… + 3 + 2 + 1 = 300</a:t>
+            </a:r>
+            <a:br>
+              <a:rPr lang="en-GB" sz="4300" dirty="0" smtClean="0">
+                <a:latin typeface="Times New Roman" panose="02020603050405020304" pitchFamily="18" charset="0"/>
+                <a:cs typeface="Times New Roman" panose="02020603050405020304" pitchFamily="18" charset="0"/>
+              </a:rPr>
+            </a:br>
+            <a:r>
+              <a:rPr lang="en-GB" dirty="0" smtClean="0">
+                <a:latin typeface="Times New Roman" panose="02020603050405020304" pitchFamily="18" charset="0"/>
+                <a:cs typeface="Times New Roman" panose="02020603050405020304" pitchFamily="18" charset="0"/>
+              </a:rPr>
+              <a:t>30</a:t>
+            </a:r>
+            <a:r>
+              <a:rPr lang="en-GB" dirty="0" smtClean="0">
+                <a:latin typeface="Times New Roman" panose="02020603050405020304" pitchFamily="18" charset="0"/>
+                <a:cs typeface="Times New Roman" panose="02020603050405020304" pitchFamily="18" charset="0"/>
+              </a:rPr>
+              <a:t>0 </a:t>
+            </a:r>
+            <a:r>
+              <a:rPr lang="en-GB" dirty="0" err="1" smtClean="0">
+                <a:latin typeface="Times New Roman" panose="02020603050405020304" pitchFamily="18" charset="0"/>
+                <a:cs typeface="Times New Roman" panose="02020603050405020304" pitchFamily="18" charset="0"/>
+              </a:rPr>
+              <a:t>verschillende</a:t>
+            </a:r>
+            <a:r>
+              <a:rPr lang="en-GB" dirty="0" smtClean="0">
+                <a:latin typeface="Times New Roman" panose="02020603050405020304" pitchFamily="18" charset="0"/>
+                <a:cs typeface="Times New Roman" panose="02020603050405020304" pitchFamily="18" charset="0"/>
+              </a:rPr>
+              <a:t> </a:t>
+            </a:r>
+            <a:r>
+              <a:rPr lang="en-GB" dirty="0" err="1" smtClean="0">
+                <a:latin typeface="Times New Roman" panose="02020603050405020304" pitchFamily="18" charset="0"/>
+                <a:cs typeface="Times New Roman" panose="02020603050405020304" pitchFamily="18" charset="0"/>
+              </a:rPr>
+              <a:t>manieren</a:t>
+            </a:r>
+            <a:r>
+              <a:rPr lang="en-GB" dirty="0" smtClean="0">
+                <a:latin typeface="Times New Roman" panose="02020603050405020304" pitchFamily="18" charset="0"/>
+                <a:cs typeface="Times New Roman" panose="02020603050405020304" pitchFamily="18" charset="0"/>
+              </a:rPr>
+              <a:t> om het </a:t>
+            </a:r>
+            <a:r>
+              <a:rPr lang="en-GB" dirty="0" err="1" smtClean="0">
+                <a:latin typeface="Times New Roman" panose="02020603050405020304" pitchFamily="18" charset="0"/>
+                <a:cs typeface="Times New Roman" panose="02020603050405020304" pitchFamily="18" charset="0"/>
+              </a:rPr>
+              <a:t>genoom</a:t>
+            </a:r>
+            <a:r>
+              <a:rPr lang="en-GB" dirty="0" smtClean="0">
+                <a:latin typeface="Times New Roman" panose="02020603050405020304" pitchFamily="18" charset="0"/>
+                <a:cs typeface="Times New Roman" panose="02020603050405020304" pitchFamily="18" charset="0"/>
+              </a:rPr>
+              <a:t> </a:t>
+            </a:r>
+            <a:r>
+              <a:rPr lang="en-GB" dirty="0" err="1" smtClean="0">
+                <a:latin typeface="Times New Roman" panose="02020603050405020304" pitchFamily="18" charset="0"/>
+                <a:cs typeface="Times New Roman" panose="02020603050405020304" pitchFamily="18" charset="0"/>
+              </a:rPr>
+              <a:t>te</a:t>
+            </a:r>
+            <a:r>
+              <a:rPr lang="en-GB" dirty="0" smtClean="0">
+                <a:latin typeface="Times New Roman" panose="02020603050405020304" pitchFamily="18" charset="0"/>
+                <a:cs typeface="Times New Roman" panose="02020603050405020304" pitchFamily="18" charset="0"/>
+              </a:rPr>
+              <a:t> </a:t>
+            </a:r>
+            <a:r>
+              <a:rPr lang="en-GB" dirty="0" err="1" smtClean="0">
+                <a:latin typeface="Times New Roman" panose="02020603050405020304" pitchFamily="18" charset="0"/>
+                <a:cs typeface="Times New Roman" panose="02020603050405020304" pitchFamily="18" charset="0"/>
+              </a:rPr>
+              <a:t>muteren</a:t>
+            </a:r>
+            <a:endParaRPr lang="nl-NL" dirty="0">
+              <a:latin typeface="Times New Roman" panose="02020603050405020304" pitchFamily="18" charset="0"/>
+              <a:cs typeface="Times New Roman" panose="02020603050405020304" pitchFamily="18" charset="0"/>
+            </a:endParaRPr>
+          </a:p>
+          <a:p>
+            <a:pPr algn="ctr"/>
+            <a:endParaRPr lang="nl-NL" dirty="0">
+              <a:latin typeface="Times New Roman" panose="02020603050405020304" pitchFamily="18" charset="0"/>
+              <a:cs typeface="Times New Roman" panose="02020603050405020304" pitchFamily="18" charset="0"/>
+            </a:endParaRPr>
+          </a:p>
+        </p:txBody>
+      </p:sp>
+    </p:spTree>
+    <p:extLst>
+      <p:ext uri="{BB962C8B-B14F-4D97-AF65-F5344CB8AC3E}">
+        <p14:creationId xmlns:p14="http://schemas.microsoft.com/office/powerpoint/2010/main" val="2437181789"/>
+      </p:ext>
+    </p:extLst>
+  </p:cSld>
+  <p:clrMapOvr>
+    <a:masterClrMapping/>
+  </p:clrMapOvr>
+  <p:timing>
+    <p:tnLst>
+      <p:par>
+        <p:cTn id="1" dur="indefinite" restart="never" nodeType="tmRoot"/>
+      </p:par>
+    </p:tnLst>
+  </p:timing>
+</p:sld>
+</file>
+
+<file path=ppt/slides/slide8.xml><?xml version="1.0" encoding="utf-8"?>
+<p:sld xmlns:a="http://schemas.openxmlformats.org/drawingml/2006/main" xmlns:r="http://schemas.openxmlformats.org/officeDocument/2006/relationships" xmlns:p="http://schemas.openxmlformats.org/presentationml/2006/main">
+  <p:cSld>
+    <p:spTree>
+      <p:nvGrpSpPr>
+        <p:cNvPr id="1" name=""/>
+        <p:cNvGrpSpPr/>
+        <p:nvPr/>
+      </p:nvGrpSpPr>
+      <p:grpSpPr>
+        <a:xfrm>
+          <a:off x="0" y="0"/>
+          <a:ext cx="0" cy="0"/>
+          <a:chOff x="0" y="0"/>
+          <a:chExt cx="0" cy="0"/>
+        </a:xfrm>
+      </p:grpSpPr>
+      <p:sp>
+        <p:nvSpPr>
+          <p:cNvPr id="2" name="Titel 1"/>
+          <p:cNvSpPr>
+            <a:spLocks noGrp="1"/>
+          </p:cNvSpPr>
+          <p:nvPr>
+            <p:ph type="title"/>
+          </p:nvPr>
+        </p:nvSpPr>
+        <p:spPr>
+          <a:xfrm>
             <a:off x="838200" y="365125"/>
             <a:ext cx="5915525" cy="1325563"/>
           </a:xfrm>
@@ -5040,6 +5697,36 @@
           <a:xfrm>
             <a:off x="6753725" y="128336"/>
             <a:ext cx="5502115" cy="6729663"/>
+          </a:xfrm>
+          <a:prstGeom prst="rect">
+            <a:avLst/>
+          </a:prstGeom>
+        </p:spPr>
+      </p:pic>
+      <p:pic>
+        <p:nvPicPr>
+          <p:cNvPr id="6" name="Picture 5"/>
+          <p:cNvPicPr>
+            <a:picLocks noChangeAspect="1"/>
+          </p:cNvPicPr>
+          <p:nvPr/>
+        </p:nvPicPr>
+        <p:blipFill>
+          <a:blip r:embed="rId3">
+            <a:extLst>
+              <a:ext uri="{28A0092B-C50C-407E-A947-70E740481C1C}">
+                <a14:useLocalDpi xmlns:a14="http://schemas.microsoft.com/office/drawing/2010/main" val="0"/>
+              </a:ext>
+            </a:extLst>
+          </a:blip>
+          <a:stretch>
+            <a:fillRect/>
+          </a:stretch>
+        </p:blipFill>
+        <p:spPr>
+          <a:xfrm>
+            <a:off x="6711782" y="64167"/>
+            <a:ext cx="5544058" cy="6858000"/>
           </a:xfrm>
           <a:prstGeom prst="rect">
             <a:avLst/>
@@ -5066,7 +5753,7 @@
 </p:sld>
 </file>
 
-<file path=ppt/slides/slide8.xml><?xml version="1.0" encoding="utf-8"?>
+<file path=ppt/slides/slide9.xml><?xml version="1.0" encoding="utf-8"?>
 <p:sld xmlns:a="http://schemas.openxmlformats.org/drawingml/2006/main" xmlns:r="http://schemas.openxmlformats.org/officeDocument/2006/relationships" xmlns:p="http://schemas.openxmlformats.org/presentationml/2006/main">
   <p:cSld>
     <p:spTree>
@@ -5569,210 +6256,6 @@
     <p:extLst>
       <p:ext uri="{BB962C8B-B14F-4D97-AF65-F5344CB8AC3E}">
         <p14:creationId xmlns:p14="http://schemas.microsoft.com/office/powerpoint/2010/main" val="3762115482"/>
-      </p:ext>
-    </p:extLst>
-  </p:cSld>
-  <p:clrMapOvr>
-    <a:masterClrMapping/>
-  </p:clrMapOvr>
-  <p:timing>
-    <p:tnLst>
-      <p:par>
-        <p:cTn id="1" dur="indefinite" restart="never" nodeType="tmRoot"/>
-      </p:par>
-    </p:tnLst>
-  </p:timing>
-</p:sld>
-</file>
-
-<file path=ppt/slides/slide9.xml><?xml version="1.0" encoding="utf-8"?>
-<p:sld xmlns:a="http://schemas.openxmlformats.org/drawingml/2006/main" xmlns:r="http://schemas.openxmlformats.org/officeDocument/2006/relationships" xmlns:p="http://schemas.openxmlformats.org/presentationml/2006/main">
-  <p:cSld>
-    <p:spTree>
-      <p:nvGrpSpPr>
-        <p:cNvPr id="1" name=""/>
-        <p:cNvGrpSpPr/>
-        <p:nvPr/>
-      </p:nvGrpSpPr>
-      <p:grpSpPr>
-        <a:xfrm>
-          <a:off x="0" y="0"/>
-          <a:ext cx="0" cy="0"/>
-          <a:chOff x="0" y="0"/>
-          <a:chExt cx="0" cy="0"/>
-        </a:xfrm>
-      </p:grpSpPr>
-      <p:sp>
-        <p:nvSpPr>
-          <p:cNvPr id="2" name="Titel 1"/>
-          <p:cNvSpPr>
-            <a:spLocks noGrp="1"/>
-          </p:cNvSpPr>
-          <p:nvPr>
-            <p:ph type="title"/>
-          </p:nvPr>
-        </p:nvSpPr>
-        <p:spPr/>
-        <p:txBody>
-          <a:bodyPr/>
-          <a:lstStyle/>
-          <a:p>
-            <a:r>
-              <a:rPr lang="nl-NL" dirty="0" smtClean="0">
-                <a:latin typeface="Times New Roman" panose="02020603050405020304" pitchFamily="18" charset="0"/>
-                <a:cs typeface="Times New Roman" panose="02020603050405020304" pitchFamily="18" charset="0"/>
-              </a:rPr>
-              <a:t>OPLOSSING</a:t>
-            </a:r>
-            <a:endParaRPr lang="nl-NL" dirty="0">
-              <a:latin typeface="Times New Roman" panose="02020603050405020304" pitchFamily="18" charset="0"/>
-              <a:cs typeface="Times New Roman" panose="02020603050405020304" pitchFamily="18" charset="0"/>
-            </a:endParaRPr>
-          </a:p>
-        </p:txBody>
-      </p:sp>
-      <p:sp>
-        <p:nvSpPr>
-          <p:cNvPr id="5" name="Tijdelijke aanduiding voor inhoud 4"/>
-          <p:cNvSpPr>
-            <a:spLocks noGrp="1"/>
-          </p:cNvSpPr>
-          <p:nvPr>
-            <p:ph idx="1"/>
-          </p:nvPr>
-        </p:nvSpPr>
-        <p:spPr/>
-        <p:txBody>
-          <a:bodyPr>
-            <a:normAutofit/>
-          </a:bodyPr>
-          <a:lstStyle/>
-          <a:p>
-            <a:r>
-              <a:rPr lang="nl-NL" dirty="0" err="1" smtClean="0">
-                <a:latin typeface="Times New Roman" panose="02020603050405020304" pitchFamily="18" charset="0"/>
-                <a:cs typeface="Times New Roman" panose="02020603050405020304" pitchFamily="18" charset="0"/>
-              </a:rPr>
-              <a:t>Breadth</a:t>
-            </a:r>
-            <a:r>
-              <a:rPr lang="nl-NL" dirty="0" smtClean="0">
-                <a:latin typeface="Times New Roman" panose="02020603050405020304" pitchFamily="18" charset="0"/>
-                <a:cs typeface="Times New Roman" panose="02020603050405020304" pitchFamily="18" charset="0"/>
-              </a:rPr>
-              <a:t>-first algoritme met als beste oplossing een zo laag mogelijke </a:t>
-            </a:r>
-            <a:r>
-              <a:rPr lang="nl-NL" b="1" dirty="0" smtClean="0">
-                <a:latin typeface="Times New Roman" panose="02020603050405020304" pitchFamily="18" charset="0"/>
-                <a:cs typeface="Times New Roman" panose="02020603050405020304" pitchFamily="18" charset="0"/>
-              </a:rPr>
-              <a:t>totale aantal </a:t>
-            </a:r>
-            <a:r>
-              <a:rPr lang="nl-NL" b="1" dirty="0" err="1" smtClean="0">
-                <a:latin typeface="Times New Roman" panose="02020603050405020304" pitchFamily="18" charset="0"/>
-                <a:cs typeface="Times New Roman" panose="02020603050405020304" pitchFamily="18" charset="0"/>
-              </a:rPr>
-              <a:t>flips</a:t>
-            </a:r>
-            <a:r>
-              <a:rPr lang="nl-NL" dirty="0" smtClean="0">
-                <a:latin typeface="Times New Roman" panose="02020603050405020304" pitchFamily="18" charset="0"/>
-                <a:cs typeface="Times New Roman" panose="02020603050405020304" pitchFamily="18" charset="0"/>
-              </a:rPr>
-              <a:t> of een zo laag mogelijke </a:t>
-            </a:r>
-            <a:r>
-              <a:rPr lang="nl-NL" b="1" dirty="0" smtClean="0">
-                <a:latin typeface="Times New Roman" panose="02020603050405020304" pitchFamily="18" charset="0"/>
-                <a:cs typeface="Times New Roman" panose="02020603050405020304" pitchFamily="18" charset="0"/>
-              </a:rPr>
-              <a:t>mutatiepunt-score</a:t>
-            </a:r>
-            <a:r>
-              <a:rPr lang="nl-NL" dirty="0" smtClean="0">
-                <a:latin typeface="Times New Roman" panose="02020603050405020304" pitchFamily="18" charset="0"/>
-                <a:cs typeface="Times New Roman" panose="02020603050405020304" pitchFamily="18" charset="0"/>
-              </a:rPr>
-              <a:t>.</a:t>
-            </a:r>
-          </a:p>
-          <a:p>
-            <a:pPr marL="457200" lvl="1" indent="0">
-              <a:buNone/>
-            </a:pPr>
-            <a:r>
-              <a:rPr lang="nl-NL" sz="2000" dirty="0" smtClean="0">
-                <a:latin typeface="Times New Roman" panose="02020603050405020304" pitchFamily="18" charset="0"/>
-                <a:cs typeface="Times New Roman" panose="02020603050405020304" pitchFamily="18" charset="0"/>
-              </a:rPr>
-              <a:t>maar geheugenproblemen bij lange sequenties, eerst proberen met kortere en dan </a:t>
-            </a:r>
-            <a:r>
-              <a:rPr lang="nl-NL" sz="2000" i="1" dirty="0" smtClean="0">
-                <a:latin typeface="Times New Roman" panose="02020603050405020304" pitchFamily="18" charset="0"/>
-                <a:cs typeface="Times New Roman" panose="02020603050405020304" pitchFamily="18" charset="0"/>
-              </a:rPr>
-              <a:t>slimme</a:t>
-            </a:r>
-            <a:r>
-              <a:rPr lang="nl-NL" sz="2000" dirty="0" smtClean="0">
-                <a:latin typeface="Times New Roman" panose="02020603050405020304" pitchFamily="18" charset="0"/>
-                <a:cs typeface="Times New Roman" panose="02020603050405020304" pitchFamily="18" charset="0"/>
-              </a:rPr>
-              <a:t> heuristieken:</a:t>
-            </a:r>
-          </a:p>
-          <a:p>
-            <a:endParaRPr lang="nl-NL" dirty="0">
-              <a:latin typeface="Times New Roman" panose="02020603050405020304" pitchFamily="18" charset="0"/>
-              <a:cs typeface="Times New Roman" panose="02020603050405020304" pitchFamily="18" charset="0"/>
-            </a:endParaRPr>
-          </a:p>
-          <a:p>
-            <a:r>
-              <a:rPr lang="nl-NL" b="1" dirty="0" err="1" smtClean="0">
-                <a:latin typeface="Times New Roman" panose="02020603050405020304" pitchFamily="18" charset="0"/>
-                <a:cs typeface="Times New Roman" panose="02020603050405020304" pitchFamily="18" charset="0"/>
-              </a:rPr>
-              <a:t>Pruning</a:t>
-            </a:r>
-            <a:endParaRPr lang="nl-NL" b="1" dirty="0" smtClean="0">
-              <a:latin typeface="Times New Roman" panose="02020603050405020304" pitchFamily="18" charset="0"/>
-              <a:cs typeface="Times New Roman" panose="02020603050405020304" pitchFamily="18" charset="0"/>
-            </a:endParaRPr>
-          </a:p>
-          <a:p>
-            <a:endParaRPr lang="nl-NL" b="1" dirty="0">
-              <a:latin typeface="Times New Roman" panose="02020603050405020304" pitchFamily="18" charset="0"/>
-              <a:cs typeface="Times New Roman" panose="02020603050405020304" pitchFamily="18" charset="0"/>
-            </a:endParaRPr>
-          </a:p>
-          <a:p>
-            <a:r>
-              <a:rPr lang="nl-NL" b="1" dirty="0" smtClean="0">
-                <a:latin typeface="Times New Roman" panose="02020603050405020304" pitchFamily="18" charset="0"/>
-                <a:cs typeface="Times New Roman" panose="02020603050405020304" pitchFamily="18" charset="0"/>
-              </a:rPr>
-              <a:t>Archief</a:t>
-            </a:r>
-          </a:p>
-          <a:p>
-            <a:pPr marL="0" indent="0">
-              <a:buNone/>
-            </a:pPr>
-            <a:endParaRPr lang="nl-NL" dirty="0">
-              <a:latin typeface="Times New Roman" panose="02020603050405020304" pitchFamily="18" charset="0"/>
-              <a:cs typeface="Times New Roman" panose="02020603050405020304" pitchFamily="18" charset="0"/>
-            </a:endParaRPr>
-          </a:p>
-        </p:txBody>
-      </p:sp>
-    </p:spTree>
-    <p:extLst>
-      <p:ext uri="{BB962C8B-B14F-4D97-AF65-F5344CB8AC3E}">
-        <p14:creationId xmlns:p14="http://schemas.microsoft.com/office/powerpoint/2010/main" val="1462278851"/>
       </p:ext>
     </p:extLst>
   </p:cSld>

--- a/Powerpont 1.pptx
+++ b/Powerpont 1.pptx
@@ -253,7 +253,7 @@
           <a:p>
             <a:fld id="{F2B6AC3F-E101-4B39-86B2-43B73117F4A4}" type="datetimeFigureOut">
               <a:rPr lang="nl-NL" smtClean="0"/>
-              <a:t>20-4-2017</a:t>
+              <a:t>2-5-2017</a:t>
             </a:fld>
             <a:endParaRPr lang="nl-NL"/>
           </a:p>
@@ -423,7 +423,7 @@
           <a:p>
             <a:fld id="{F2B6AC3F-E101-4B39-86B2-43B73117F4A4}" type="datetimeFigureOut">
               <a:rPr lang="nl-NL" smtClean="0"/>
-              <a:t>20-4-2017</a:t>
+              <a:t>2-5-2017</a:t>
             </a:fld>
             <a:endParaRPr lang="nl-NL"/>
           </a:p>
@@ -603,7 +603,7 @@
           <a:p>
             <a:fld id="{F2B6AC3F-E101-4B39-86B2-43B73117F4A4}" type="datetimeFigureOut">
               <a:rPr lang="nl-NL" smtClean="0"/>
-              <a:t>20-4-2017</a:t>
+              <a:t>2-5-2017</a:t>
             </a:fld>
             <a:endParaRPr lang="nl-NL"/>
           </a:p>
@@ -773,7 +773,7 @@
           <a:p>
             <a:fld id="{F2B6AC3F-E101-4B39-86B2-43B73117F4A4}" type="datetimeFigureOut">
               <a:rPr lang="nl-NL" smtClean="0"/>
-              <a:t>20-4-2017</a:t>
+              <a:t>2-5-2017</a:t>
             </a:fld>
             <a:endParaRPr lang="nl-NL"/>
           </a:p>
@@ -1019,7 +1019,7 @@
           <a:p>
             <a:fld id="{F2B6AC3F-E101-4B39-86B2-43B73117F4A4}" type="datetimeFigureOut">
               <a:rPr lang="nl-NL" smtClean="0"/>
-              <a:t>20-4-2017</a:t>
+              <a:t>2-5-2017</a:t>
             </a:fld>
             <a:endParaRPr lang="nl-NL"/>
           </a:p>
@@ -1251,7 +1251,7 @@
           <a:p>
             <a:fld id="{F2B6AC3F-E101-4B39-86B2-43B73117F4A4}" type="datetimeFigureOut">
               <a:rPr lang="nl-NL" smtClean="0"/>
-              <a:t>20-4-2017</a:t>
+              <a:t>2-5-2017</a:t>
             </a:fld>
             <a:endParaRPr lang="nl-NL"/>
           </a:p>
@@ -1618,7 +1618,7 @@
           <a:p>
             <a:fld id="{F2B6AC3F-E101-4B39-86B2-43B73117F4A4}" type="datetimeFigureOut">
               <a:rPr lang="nl-NL" smtClean="0"/>
-              <a:t>20-4-2017</a:t>
+              <a:t>2-5-2017</a:t>
             </a:fld>
             <a:endParaRPr lang="nl-NL"/>
           </a:p>
@@ -1736,7 +1736,7 @@
           <a:p>
             <a:fld id="{F2B6AC3F-E101-4B39-86B2-43B73117F4A4}" type="datetimeFigureOut">
               <a:rPr lang="nl-NL" smtClean="0"/>
-              <a:t>20-4-2017</a:t>
+              <a:t>2-5-2017</a:t>
             </a:fld>
             <a:endParaRPr lang="nl-NL"/>
           </a:p>
@@ -1831,7 +1831,7 @@
           <a:p>
             <a:fld id="{F2B6AC3F-E101-4B39-86B2-43B73117F4A4}" type="datetimeFigureOut">
               <a:rPr lang="nl-NL" smtClean="0"/>
-              <a:t>20-4-2017</a:t>
+              <a:t>2-5-2017</a:t>
             </a:fld>
             <a:endParaRPr lang="nl-NL"/>
           </a:p>
@@ -2108,7 +2108,7 @@
           <a:p>
             <a:fld id="{F2B6AC3F-E101-4B39-86B2-43B73117F4A4}" type="datetimeFigureOut">
               <a:rPr lang="nl-NL" smtClean="0"/>
-              <a:t>20-4-2017</a:t>
+              <a:t>2-5-2017</a:t>
             </a:fld>
             <a:endParaRPr lang="nl-NL"/>
           </a:p>
@@ -2361,7 +2361,7 @@
           <a:p>
             <a:fld id="{F2B6AC3F-E101-4B39-86B2-43B73117F4A4}" type="datetimeFigureOut">
               <a:rPr lang="nl-NL" smtClean="0"/>
-              <a:t>20-4-2017</a:t>
+              <a:t>2-5-2017</a:t>
             </a:fld>
             <a:endParaRPr lang="nl-NL"/>
           </a:p>
@@ -2574,7 +2574,7 @@
           <a:p>
             <a:fld id="{F2B6AC3F-E101-4B39-86B2-43B73117F4A4}" type="datetimeFigureOut">
               <a:rPr lang="nl-NL" smtClean="0"/>
-              <a:t>20-4-2017</a:t>
+              <a:t>2-5-2017</a:t>
             </a:fld>
             <a:endParaRPr lang="nl-NL"/>
           </a:p>
@@ -4148,8 +4148,8 @@
           </a:p>
         </p:txBody>
       </p:sp>
-      <mc:AlternateContent xmlns:mc="http://schemas.openxmlformats.org/markup-compatibility/2006">
-        <mc:Choice xmlns:a14="http://schemas.microsoft.com/office/drawing/2010/main" Requires="a14">
+      <mc:AlternateContent xmlns:mc="http://schemas.openxmlformats.org/markup-compatibility/2006" xmlns:a14="http://schemas.microsoft.com/office/drawing/2010/main">
+        <mc:Choice Requires="a14">
           <p:sp>
             <p:nvSpPr>
               <p:cNvPr id="3" name="Tijdelijke aanduiding voor inhoud 2"/>
@@ -4347,7 +4347,7 @@
             </p:txBody>
           </p:sp>
         </mc:Choice>
-        <mc:Fallback>
+        <mc:Fallback xmlns="">
           <p:sp>
             <p:nvSpPr>
               <p:cNvPr id="3" name="Tijdelijke aanduiding voor inhoud 2"/>
@@ -4580,8 +4580,8 @@
           </a:p>
         </p:txBody>
       </p:sp>
-      <mc:AlternateContent xmlns:mc="http://schemas.openxmlformats.org/markup-compatibility/2006">
-        <mc:Choice xmlns:a14="http://schemas.microsoft.com/office/drawing/2010/main" Requires="a14">
+      <mc:AlternateContent xmlns:mc="http://schemas.openxmlformats.org/markup-compatibility/2006" xmlns:a14="http://schemas.microsoft.com/office/drawing/2010/main">
+        <mc:Choice Requires="a14">
           <p:sp>
             <p:nvSpPr>
               <p:cNvPr id="3" name="Tijdelijke aanduiding voor inhoud 2"/>
@@ -4727,14 +4727,7 @@
                     <a:latin typeface="Times New Roman" panose="02020603050405020304" pitchFamily="18" charset="0"/>
                     <a:cs typeface="Times New Roman" panose="02020603050405020304" pitchFamily="18" charset="0"/>
                   </a:rPr>
-                  <a:t> van</a:t>
-                </a:r>
-                <a:r>
-                  <a:rPr lang="en-GB" dirty="0" smtClean="0">
-                    <a:latin typeface="Times New Roman" panose="02020603050405020304" pitchFamily="18" charset="0"/>
-                    <a:cs typeface="Times New Roman" panose="02020603050405020304" pitchFamily="18" charset="0"/>
-                  </a:rPr>
-                  <a:t> </a:t>
+                  <a:t> van </a:t>
                 </a:r>
                 <a:r>
                   <a:rPr lang="en-GB" i="1" dirty="0" smtClean="0">
@@ -4786,7 +4779,7 @@
             </p:txBody>
           </p:sp>
         </mc:Choice>
-        <mc:Fallback>
+        <mc:Fallback xmlns="">
           <p:sp>
             <p:nvSpPr>
               <p:cNvPr id="3" name="Tijdelijke aanduiding voor inhoud 2"/>
@@ -5349,14 +5342,7 @@
                 <a:latin typeface="Times New Roman" panose="02020603050405020304" pitchFamily="18" charset="0"/>
                 <a:cs typeface="Times New Roman" panose="02020603050405020304" pitchFamily="18" charset="0"/>
               </a:rPr>
-              <a:t>30</a:t>
-            </a:r>
-            <a:r>
-              <a:rPr lang="en-GB" dirty="0" smtClean="0">
-                <a:latin typeface="Times New Roman" panose="02020603050405020304" pitchFamily="18" charset="0"/>
-                <a:cs typeface="Times New Roman" panose="02020603050405020304" pitchFamily="18" charset="0"/>
-              </a:rPr>
-              <a:t>0 </a:t>
+              <a:t>300 </a:t>
             </a:r>
             <a:r>
               <a:rPr lang="en-GB" dirty="0" err="1" smtClean="0">
